--- a/Vorstellung_Projekt.pptx
+++ b/Vorstellung_Projekt.pptx
@@ -13,6 +13,8 @@
     <p:sldId id="261" r:id="rId7"/>
     <p:sldId id="262" r:id="rId8"/>
     <p:sldId id="263" r:id="rId9"/>
+    <p:sldId id="265" r:id="rId10"/>
+    <p:sldId id="264" r:id="rId11"/>
   </p:sldIdLst>
   <p:sldSz cx="12192000" cy="6858000"/>
   <p:notesSz cx="6858000" cy="9144000"/>
@@ -111,6 +113,11 @@
       </a:defRPr>
     </a:lvl9pPr>
   </p:defaultTextStyle>
+  <p:extLst>
+    <p:ext uri="{EFAFB233-063F-42B5-8137-9DF3F51BA10A}">
+      <p15:sldGuideLst xmlns:p15="http://schemas.microsoft.com/office/powerpoint/2012/main"/>
+    </p:ext>
+  </p:extLst>
 </p:presentation>
 </file>
 
@@ -156,10 +163,9 @@
           </a:lstStyle>
           <a:p>
             <a:r>
-              <a:rPr lang="de-DE" smtClean="0"/>
+              <a:rPr lang="de-DE"/>
               <a:t>Titelmasterformat durch Klicken bearbeiten</a:t>
             </a:r>
-            <a:endParaRPr lang="de-DE"/>
           </a:p>
         </p:txBody>
       </p:sp>
@@ -221,10 +227,9 @@
           </a:lstStyle>
           <a:p>
             <a:r>
-              <a:rPr lang="de-DE" smtClean="0"/>
+              <a:rPr lang="de-DE"/>
               <a:t>Formatvorlage des Untertitelmasters durch Klicken bearbeiten</a:t>
             </a:r>
-            <a:endParaRPr lang="de-DE"/>
           </a:p>
         </p:txBody>
       </p:sp>
@@ -245,7 +250,7 @@
           <a:p>
             <a:fld id="{589841CB-ED6D-481E-8461-1310920C0D53}" type="datetimeFigureOut">
               <a:rPr lang="de-DE" smtClean="0"/>
-              <a:t>25.09.2023</a:t>
+              <a:t>26.10.2023</a:t>
             </a:fld>
             <a:endParaRPr lang="de-DE"/>
           </a:p>
@@ -339,10 +344,9 @@
           <a:lstStyle/>
           <a:p>
             <a:r>
-              <a:rPr lang="de-DE" smtClean="0"/>
+              <a:rPr lang="de-DE"/>
               <a:t>Titelmasterformat durch Klicken bearbeiten</a:t>
             </a:r>
-            <a:endParaRPr lang="de-DE"/>
           </a:p>
         </p:txBody>
       </p:sp>
@@ -363,38 +367,37 @@
           <a:p>
             <a:pPr lvl="0"/>
             <a:r>
-              <a:rPr lang="de-DE" smtClean="0"/>
+              <a:rPr lang="de-DE"/>
               <a:t>Formatvorlagen des Textmasters bearbeiten</a:t>
             </a:r>
           </a:p>
           <a:p>
             <a:pPr lvl="1"/>
             <a:r>
-              <a:rPr lang="de-DE" smtClean="0"/>
+              <a:rPr lang="de-DE"/>
               <a:t>Zweite Ebene</a:t>
             </a:r>
           </a:p>
           <a:p>
             <a:pPr lvl="2"/>
             <a:r>
-              <a:rPr lang="de-DE" smtClean="0"/>
+              <a:rPr lang="de-DE"/>
               <a:t>Dritte Ebene</a:t>
             </a:r>
           </a:p>
           <a:p>
             <a:pPr lvl="3"/>
             <a:r>
-              <a:rPr lang="de-DE" smtClean="0"/>
+              <a:rPr lang="de-DE"/>
               <a:t>Vierte Ebene</a:t>
             </a:r>
           </a:p>
           <a:p>
             <a:pPr lvl="4"/>
             <a:r>
-              <a:rPr lang="de-DE" smtClean="0"/>
+              <a:rPr lang="de-DE"/>
               <a:t>Fünfte Ebene</a:t>
             </a:r>
-            <a:endParaRPr lang="de-DE"/>
           </a:p>
         </p:txBody>
       </p:sp>
@@ -415,7 +418,7 @@
           <a:p>
             <a:fld id="{589841CB-ED6D-481E-8461-1310920C0D53}" type="datetimeFigureOut">
               <a:rPr lang="de-DE" smtClean="0"/>
-              <a:t>25.09.2023</a:t>
+              <a:t>26.10.2023</a:t>
             </a:fld>
             <a:endParaRPr lang="de-DE"/>
           </a:p>
@@ -514,10 +517,9 @@
           <a:lstStyle/>
           <a:p>
             <a:r>
-              <a:rPr lang="de-DE" smtClean="0"/>
+              <a:rPr lang="de-DE"/>
               <a:t>Titelmasterformat durch Klicken bearbeiten</a:t>
             </a:r>
-            <a:endParaRPr lang="de-DE"/>
           </a:p>
         </p:txBody>
       </p:sp>
@@ -543,38 +545,37 @@
           <a:p>
             <a:pPr lvl="0"/>
             <a:r>
-              <a:rPr lang="de-DE" smtClean="0"/>
+              <a:rPr lang="de-DE"/>
               <a:t>Formatvorlagen des Textmasters bearbeiten</a:t>
             </a:r>
           </a:p>
           <a:p>
             <a:pPr lvl="1"/>
             <a:r>
-              <a:rPr lang="de-DE" smtClean="0"/>
+              <a:rPr lang="de-DE"/>
               <a:t>Zweite Ebene</a:t>
             </a:r>
           </a:p>
           <a:p>
             <a:pPr lvl="2"/>
             <a:r>
-              <a:rPr lang="de-DE" smtClean="0"/>
+              <a:rPr lang="de-DE"/>
               <a:t>Dritte Ebene</a:t>
             </a:r>
           </a:p>
           <a:p>
             <a:pPr lvl="3"/>
             <a:r>
-              <a:rPr lang="de-DE" smtClean="0"/>
+              <a:rPr lang="de-DE"/>
               <a:t>Vierte Ebene</a:t>
             </a:r>
           </a:p>
           <a:p>
             <a:pPr lvl="4"/>
             <a:r>
-              <a:rPr lang="de-DE" smtClean="0"/>
+              <a:rPr lang="de-DE"/>
               <a:t>Fünfte Ebene</a:t>
             </a:r>
-            <a:endParaRPr lang="de-DE"/>
           </a:p>
         </p:txBody>
       </p:sp>
@@ -595,7 +596,7 @@
           <a:p>
             <a:fld id="{589841CB-ED6D-481E-8461-1310920C0D53}" type="datetimeFigureOut">
               <a:rPr lang="de-DE" smtClean="0"/>
-              <a:t>25.09.2023</a:t>
+              <a:t>26.10.2023</a:t>
             </a:fld>
             <a:endParaRPr lang="de-DE"/>
           </a:p>
@@ -689,10 +690,9 @@
           <a:lstStyle/>
           <a:p>
             <a:r>
-              <a:rPr lang="de-DE" smtClean="0"/>
+              <a:rPr lang="de-DE"/>
               <a:t>Titelmasterformat durch Klicken bearbeiten</a:t>
             </a:r>
-            <a:endParaRPr lang="de-DE"/>
           </a:p>
         </p:txBody>
       </p:sp>
@@ -713,38 +713,37 @@
           <a:p>
             <a:pPr lvl="0"/>
             <a:r>
-              <a:rPr lang="de-DE" smtClean="0"/>
+              <a:rPr lang="de-DE"/>
               <a:t>Formatvorlagen des Textmasters bearbeiten</a:t>
             </a:r>
           </a:p>
           <a:p>
             <a:pPr lvl="1"/>
             <a:r>
-              <a:rPr lang="de-DE" smtClean="0"/>
+              <a:rPr lang="de-DE"/>
               <a:t>Zweite Ebene</a:t>
             </a:r>
           </a:p>
           <a:p>
             <a:pPr lvl="2"/>
             <a:r>
-              <a:rPr lang="de-DE" smtClean="0"/>
+              <a:rPr lang="de-DE"/>
               <a:t>Dritte Ebene</a:t>
             </a:r>
           </a:p>
           <a:p>
             <a:pPr lvl="3"/>
             <a:r>
-              <a:rPr lang="de-DE" smtClean="0"/>
+              <a:rPr lang="de-DE"/>
               <a:t>Vierte Ebene</a:t>
             </a:r>
           </a:p>
           <a:p>
             <a:pPr lvl="4"/>
             <a:r>
-              <a:rPr lang="de-DE" smtClean="0"/>
+              <a:rPr lang="de-DE"/>
               <a:t>Fünfte Ebene</a:t>
             </a:r>
-            <a:endParaRPr lang="de-DE"/>
           </a:p>
         </p:txBody>
       </p:sp>
@@ -765,7 +764,7 @@
           <a:p>
             <a:fld id="{589841CB-ED6D-481E-8461-1310920C0D53}" type="datetimeFigureOut">
               <a:rPr lang="de-DE" smtClean="0"/>
-              <a:t>25.09.2023</a:t>
+              <a:t>26.10.2023</a:t>
             </a:fld>
             <a:endParaRPr lang="de-DE"/>
           </a:p>
@@ -868,10 +867,9 @@
           </a:lstStyle>
           <a:p>
             <a:r>
-              <a:rPr lang="de-DE" smtClean="0"/>
+              <a:rPr lang="de-DE"/>
               <a:t>Titelmasterformat durch Klicken bearbeiten</a:t>
             </a:r>
-            <a:endParaRPr lang="de-DE"/>
           </a:p>
         </p:txBody>
       </p:sp>
@@ -988,7 +986,7 @@
           <a:p>
             <a:pPr lvl="0"/>
             <a:r>
-              <a:rPr lang="de-DE" smtClean="0"/>
+              <a:rPr lang="de-DE"/>
               <a:t>Formatvorlagen des Textmasters bearbeiten</a:t>
             </a:r>
           </a:p>
@@ -1011,7 +1009,7 @@
           <a:p>
             <a:fld id="{589841CB-ED6D-481E-8461-1310920C0D53}" type="datetimeFigureOut">
               <a:rPr lang="de-DE" smtClean="0"/>
-              <a:t>25.09.2023</a:t>
+              <a:t>26.10.2023</a:t>
             </a:fld>
             <a:endParaRPr lang="de-DE"/>
           </a:p>
@@ -1105,10 +1103,9 @@
           <a:lstStyle/>
           <a:p>
             <a:r>
-              <a:rPr lang="de-DE" smtClean="0"/>
+              <a:rPr lang="de-DE"/>
               <a:t>Titelmasterformat durch Klicken bearbeiten</a:t>
             </a:r>
-            <a:endParaRPr lang="de-DE"/>
           </a:p>
         </p:txBody>
       </p:sp>
@@ -1134,38 +1131,37 @@
           <a:p>
             <a:pPr lvl="0"/>
             <a:r>
-              <a:rPr lang="de-DE" smtClean="0"/>
+              <a:rPr lang="de-DE"/>
               <a:t>Formatvorlagen des Textmasters bearbeiten</a:t>
             </a:r>
           </a:p>
           <a:p>
             <a:pPr lvl="1"/>
             <a:r>
-              <a:rPr lang="de-DE" smtClean="0"/>
+              <a:rPr lang="de-DE"/>
               <a:t>Zweite Ebene</a:t>
             </a:r>
           </a:p>
           <a:p>
             <a:pPr lvl="2"/>
             <a:r>
-              <a:rPr lang="de-DE" smtClean="0"/>
+              <a:rPr lang="de-DE"/>
               <a:t>Dritte Ebene</a:t>
             </a:r>
           </a:p>
           <a:p>
             <a:pPr lvl="3"/>
             <a:r>
-              <a:rPr lang="de-DE" smtClean="0"/>
+              <a:rPr lang="de-DE"/>
               <a:t>Vierte Ebene</a:t>
             </a:r>
           </a:p>
           <a:p>
             <a:pPr lvl="4"/>
             <a:r>
-              <a:rPr lang="de-DE" smtClean="0"/>
+              <a:rPr lang="de-DE"/>
               <a:t>Fünfte Ebene</a:t>
             </a:r>
-            <a:endParaRPr lang="de-DE"/>
           </a:p>
         </p:txBody>
       </p:sp>
@@ -1191,38 +1187,37 @@
           <a:p>
             <a:pPr lvl="0"/>
             <a:r>
-              <a:rPr lang="de-DE" smtClean="0"/>
+              <a:rPr lang="de-DE"/>
               <a:t>Formatvorlagen des Textmasters bearbeiten</a:t>
             </a:r>
           </a:p>
           <a:p>
             <a:pPr lvl="1"/>
             <a:r>
-              <a:rPr lang="de-DE" smtClean="0"/>
+              <a:rPr lang="de-DE"/>
               <a:t>Zweite Ebene</a:t>
             </a:r>
           </a:p>
           <a:p>
             <a:pPr lvl="2"/>
             <a:r>
-              <a:rPr lang="de-DE" smtClean="0"/>
+              <a:rPr lang="de-DE"/>
               <a:t>Dritte Ebene</a:t>
             </a:r>
           </a:p>
           <a:p>
             <a:pPr lvl="3"/>
             <a:r>
-              <a:rPr lang="de-DE" smtClean="0"/>
+              <a:rPr lang="de-DE"/>
               <a:t>Vierte Ebene</a:t>
             </a:r>
           </a:p>
           <a:p>
             <a:pPr lvl="4"/>
             <a:r>
-              <a:rPr lang="de-DE" smtClean="0"/>
+              <a:rPr lang="de-DE"/>
               <a:t>Fünfte Ebene</a:t>
             </a:r>
-            <a:endParaRPr lang="de-DE"/>
           </a:p>
         </p:txBody>
       </p:sp>
@@ -1243,7 +1238,7 @@
           <a:p>
             <a:fld id="{589841CB-ED6D-481E-8461-1310920C0D53}" type="datetimeFigureOut">
               <a:rPr lang="de-DE" smtClean="0"/>
-              <a:t>25.09.2023</a:t>
+              <a:t>26.10.2023</a:t>
             </a:fld>
             <a:endParaRPr lang="de-DE"/>
           </a:p>
@@ -1342,10 +1337,9 @@
           <a:lstStyle/>
           <a:p>
             <a:r>
-              <a:rPr lang="de-DE" smtClean="0"/>
+              <a:rPr lang="de-DE"/>
               <a:t>Titelmasterformat durch Klicken bearbeiten</a:t>
             </a:r>
-            <a:endParaRPr lang="de-DE"/>
           </a:p>
         </p:txBody>
       </p:sp>
@@ -1408,7 +1402,7 @@
           <a:p>
             <a:pPr lvl="0"/>
             <a:r>
-              <a:rPr lang="de-DE" smtClean="0"/>
+              <a:rPr lang="de-DE"/>
               <a:t>Formatvorlagen des Textmasters bearbeiten</a:t>
             </a:r>
           </a:p>
@@ -1436,38 +1430,37 @@
           <a:p>
             <a:pPr lvl="0"/>
             <a:r>
-              <a:rPr lang="de-DE" smtClean="0"/>
+              <a:rPr lang="de-DE"/>
               <a:t>Formatvorlagen des Textmasters bearbeiten</a:t>
             </a:r>
           </a:p>
           <a:p>
             <a:pPr lvl="1"/>
             <a:r>
-              <a:rPr lang="de-DE" smtClean="0"/>
+              <a:rPr lang="de-DE"/>
               <a:t>Zweite Ebene</a:t>
             </a:r>
           </a:p>
           <a:p>
             <a:pPr lvl="2"/>
             <a:r>
-              <a:rPr lang="de-DE" smtClean="0"/>
+              <a:rPr lang="de-DE"/>
               <a:t>Dritte Ebene</a:t>
             </a:r>
           </a:p>
           <a:p>
             <a:pPr lvl="3"/>
             <a:r>
-              <a:rPr lang="de-DE" smtClean="0"/>
+              <a:rPr lang="de-DE"/>
               <a:t>Vierte Ebene</a:t>
             </a:r>
           </a:p>
           <a:p>
             <a:pPr lvl="4"/>
             <a:r>
-              <a:rPr lang="de-DE" smtClean="0"/>
+              <a:rPr lang="de-DE"/>
               <a:t>Fünfte Ebene</a:t>
             </a:r>
-            <a:endParaRPr lang="de-DE"/>
           </a:p>
         </p:txBody>
       </p:sp>
@@ -1530,7 +1523,7 @@
           <a:p>
             <a:pPr lvl="0"/>
             <a:r>
-              <a:rPr lang="de-DE" smtClean="0"/>
+              <a:rPr lang="de-DE"/>
               <a:t>Formatvorlagen des Textmasters bearbeiten</a:t>
             </a:r>
           </a:p>
@@ -1558,38 +1551,37 @@
           <a:p>
             <a:pPr lvl="0"/>
             <a:r>
-              <a:rPr lang="de-DE" smtClean="0"/>
+              <a:rPr lang="de-DE"/>
               <a:t>Formatvorlagen des Textmasters bearbeiten</a:t>
             </a:r>
           </a:p>
           <a:p>
             <a:pPr lvl="1"/>
             <a:r>
-              <a:rPr lang="de-DE" smtClean="0"/>
+              <a:rPr lang="de-DE"/>
               <a:t>Zweite Ebene</a:t>
             </a:r>
           </a:p>
           <a:p>
             <a:pPr lvl="2"/>
             <a:r>
-              <a:rPr lang="de-DE" smtClean="0"/>
+              <a:rPr lang="de-DE"/>
               <a:t>Dritte Ebene</a:t>
             </a:r>
           </a:p>
           <a:p>
             <a:pPr lvl="3"/>
             <a:r>
-              <a:rPr lang="de-DE" smtClean="0"/>
+              <a:rPr lang="de-DE"/>
               <a:t>Vierte Ebene</a:t>
             </a:r>
           </a:p>
           <a:p>
             <a:pPr lvl="4"/>
             <a:r>
-              <a:rPr lang="de-DE" smtClean="0"/>
+              <a:rPr lang="de-DE"/>
               <a:t>Fünfte Ebene</a:t>
             </a:r>
-            <a:endParaRPr lang="de-DE"/>
           </a:p>
         </p:txBody>
       </p:sp>
@@ -1610,7 +1602,7 @@
           <a:p>
             <a:fld id="{589841CB-ED6D-481E-8461-1310920C0D53}" type="datetimeFigureOut">
               <a:rPr lang="de-DE" smtClean="0"/>
-              <a:t>25.09.2023</a:t>
+              <a:t>26.10.2023</a:t>
             </a:fld>
             <a:endParaRPr lang="de-DE"/>
           </a:p>
@@ -1704,10 +1696,9 @@
           <a:lstStyle/>
           <a:p>
             <a:r>
-              <a:rPr lang="de-DE" smtClean="0"/>
+              <a:rPr lang="de-DE"/>
               <a:t>Titelmasterformat durch Klicken bearbeiten</a:t>
             </a:r>
-            <a:endParaRPr lang="de-DE"/>
           </a:p>
         </p:txBody>
       </p:sp>
@@ -1728,7 +1719,7 @@
           <a:p>
             <a:fld id="{589841CB-ED6D-481E-8461-1310920C0D53}" type="datetimeFigureOut">
               <a:rPr lang="de-DE" smtClean="0"/>
-              <a:t>25.09.2023</a:t>
+              <a:t>26.10.2023</a:t>
             </a:fld>
             <a:endParaRPr lang="de-DE"/>
           </a:p>
@@ -1823,7 +1814,7 @@
           <a:p>
             <a:fld id="{589841CB-ED6D-481E-8461-1310920C0D53}" type="datetimeFigureOut">
               <a:rPr lang="de-DE" smtClean="0"/>
-              <a:t>25.09.2023</a:t>
+              <a:t>26.10.2023</a:t>
             </a:fld>
             <a:endParaRPr lang="de-DE"/>
           </a:p>
@@ -1926,10 +1917,9 @@
           </a:lstStyle>
           <a:p>
             <a:r>
-              <a:rPr lang="de-DE" smtClean="0"/>
+              <a:rPr lang="de-DE"/>
               <a:t>Titelmasterformat durch Klicken bearbeiten</a:t>
             </a:r>
-            <a:endParaRPr lang="de-DE"/>
           </a:p>
         </p:txBody>
       </p:sp>
@@ -1983,38 +1973,37 @@
           <a:p>
             <a:pPr lvl="0"/>
             <a:r>
-              <a:rPr lang="de-DE" smtClean="0"/>
+              <a:rPr lang="de-DE"/>
               <a:t>Formatvorlagen des Textmasters bearbeiten</a:t>
             </a:r>
           </a:p>
           <a:p>
             <a:pPr lvl="1"/>
             <a:r>
-              <a:rPr lang="de-DE" smtClean="0"/>
+              <a:rPr lang="de-DE"/>
               <a:t>Zweite Ebene</a:t>
             </a:r>
           </a:p>
           <a:p>
             <a:pPr lvl="2"/>
             <a:r>
-              <a:rPr lang="de-DE" smtClean="0"/>
+              <a:rPr lang="de-DE"/>
               <a:t>Dritte Ebene</a:t>
             </a:r>
           </a:p>
           <a:p>
             <a:pPr lvl="3"/>
             <a:r>
-              <a:rPr lang="de-DE" smtClean="0"/>
+              <a:rPr lang="de-DE"/>
               <a:t>Vierte Ebene</a:t>
             </a:r>
           </a:p>
           <a:p>
             <a:pPr lvl="4"/>
             <a:r>
-              <a:rPr lang="de-DE" smtClean="0"/>
+              <a:rPr lang="de-DE"/>
               <a:t>Fünfte Ebene</a:t>
             </a:r>
-            <a:endParaRPr lang="de-DE"/>
           </a:p>
         </p:txBody>
       </p:sp>
@@ -2077,7 +2066,7 @@
           <a:p>
             <a:pPr lvl="0"/>
             <a:r>
-              <a:rPr lang="de-DE" smtClean="0"/>
+              <a:rPr lang="de-DE"/>
               <a:t>Formatvorlagen des Textmasters bearbeiten</a:t>
             </a:r>
           </a:p>
@@ -2100,7 +2089,7 @@
           <a:p>
             <a:fld id="{589841CB-ED6D-481E-8461-1310920C0D53}" type="datetimeFigureOut">
               <a:rPr lang="de-DE" smtClean="0"/>
-              <a:t>25.09.2023</a:t>
+              <a:t>26.10.2023</a:t>
             </a:fld>
             <a:endParaRPr lang="de-DE"/>
           </a:p>
@@ -2203,10 +2192,9 @@
           </a:lstStyle>
           <a:p>
             <a:r>
-              <a:rPr lang="de-DE" smtClean="0"/>
+              <a:rPr lang="de-DE"/>
               <a:t>Titelmasterformat durch Klicken bearbeiten</a:t>
             </a:r>
-            <a:endParaRPr lang="de-DE"/>
           </a:p>
         </p:txBody>
       </p:sp>
@@ -2330,7 +2318,7 @@
           <a:p>
             <a:pPr lvl="0"/>
             <a:r>
-              <a:rPr lang="de-DE" smtClean="0"/>
+              <a:rPr lang="de-DE"/>
               <a:t>Formatvorlagen des Textmasters bearbeiten</a:t>
             </a:r>
           </a:p>
@@ -2353,7 +2341,7 @@
           <a:p>
             <a:fld id="{589841CB-ED6D-481E-8461-1310920C0D53}" type="datetimeFigureOut">
               <a:rPr lang="de-DE" smtClean="0"/>
-              <a:t>25.09.2023</a:t>
+              <a:t>26.10.2023</a:t>
             </a:fld>
             <a:endParaRPr lang="de-DE"/>
           </a:p>
@@ -2418,9 +2406,39 @@
 <p:sldMaster xmlns:a="http://schemas.openxmlformats.org/drawingml/2006/main" xmlns:r="http://schemas.openxmlformats.org/officeDocument/2006/relationships" xmlns:p="http://schemas.openxmlformats.org/presentationml/2006/main">
   <p:cSld>
     <p:bg>
-      <p:bgRef idx="1001">
-        <a:schemeClr val="bg1"/>
-      </p:bgRef>
+      <p:bgPr>
+        <a:gradFill flip="none" rotWithShape="1">
+          <a:gsLst>
+            <a:gs pos="0">
+              <a:schemeClr val="accent1">
+                <a:lumMod val="5000"/>
+                <a:lumOff val="95000"/>
+              </a:schemeClr>
+            </a:gs>
+            <a:gs pos="74000">
+              <a:schemeClr val="accent1">
+                <a:lumMod val="45000"/>
+                <a:lumOff val="55000"/>
+              </a:schemeClr>
+            </a:gs>
+            <a:gs pos="83000">
+              <a:schemeClr val="accent1">
+                <a:lumMod val="45000"/>
+                <a:lumOff val="55000"/>
+              </a:schemeClr>
+            </a:gs>
+            <a:gs pos="100000">
+              <a:schemeClr val="accent1">
+                <a:lumMod val="30000"/>
+                <a:lumOff val="70000"/>
+              </a:schemeClr>
+            </a:gs>
+          </a:gsLst>
+          <a:lin ang="5400000" scaled="1"/>
+          <a:tileRect/>
+        </a:gradFill>
+        <a:effectLst/>
+      </p:bgPr>
     </p:bg>
     <p:spTree>
       <p:nvGrpSpPr>
@@ -2462,10 +2480,9 @@
           <a:lstStyle/>
           <a:p>
             <a:r>
-              <a:rPr lang="de-DE" smtClean="0"/>
+              <a:rPr lang="de-DE"/>
               <a:t>Titelmasterformat durch Klicken bearbeiten</a:t>
             </a:r>
-            <a:endParaRPr lang="de-DE"/>
           </a:p>
         </p:txBody>
       </p:sp>
@@ -2496,38 +2513,37 @@
           <a:p>
             <a:pPr lvl="0"/>
             <a:r>
-              <a:rPr lang="de-DE" smtClean="0"/>
+              <a:rPr lang="de-DE"/>
               <a:t>Formatvorlagen des Textmasters bearbeiten</a:t>
             </a:r>
           </a:p>
           <a:p>
             <a:pPr lvl="1"/>
             <a:r>
-              <a:rPr lang="de-DE" smtClean="0"/>
+              <a:rPr lang="de-DE"/>
               <a:t>Zweite Ebene</a:t>
             </a:r>
           </a:p>
           <a:p>
             <a:pPr lvl="2"/>
             <a:r>
-              <a:rPr lang="de-DE" smtClean="0"/>
+              <a:rPr lang="de-DE"/>
               <a:t>Dritte Ebene</a:t>
             </a:r>
           </a:p>
           <a:p>
             <a:pPr lvl="3"/>
             <a:r>
-              <a:rPr lang="de-DE" smtClean="0"/>
+              <a:rPr lang="de-DE"/>
               <a:t>Vierte Ebene</a:t>
             </a:r>
           </a:p>
           <a:p>
             <a:pPr lvl="4"/>
             <a:r>
-              <a:rPr lang="de-DE" smtClean="0"/>
+              <a:rPr lang="de-DE"/>
               <a:t>Fünfte Ebene</a:t>
             </a:r>
-            <a:endParaRPr lang="de-DE"/>
           </a:p>
         </p:txBody>
       </p:sp>
@@ -2566,7 +2582,7 @@
           <a:p>
             <a:fld id="{589841CB-ED6D-481E-8461-1310920C0D53}" type="datetimeFigureOut">
               <a:rPr lang="de-DE" smtClean="0"/>
-              <a:t>25.09.2023</a:t>
+              <a:t>26.10.2023</a:t>
             </a:fld>
             <a:endParaRPr lang="de-DE"/>
           </a:p>
@@ -2971,92 +2987,251 @@
           <a:chExt cx="0" cy="0"/>
         </a:xfrm>
       </p:grpSpPr>
-      <p:sp>
-        <p:nvSpPr>
-          <p:cNvPr id="2" name="Titel 1"/>
-          <p:cNvSpPr>
-            <a:spLocks noGrp="1"/>
-          </p:cNvSpPr>
-          <p:nvPr>
-            <p:ph type="ctrTitle"/>
-          </p:nvPr>
-        </p:nvSpPr>
-        <p:spPr/>
-        <p:txBody>
-          <a:bodyPr/>
-          <a:lstStyle/>
-          <a:p>
-            <a:r>
-              <a:rPr lang="de-DE" dirty="0" smtClean="0"/>
-              <a:t>Projekt</a:t>
-            </a:r>
-            <a:br>
-              <a:rPr lang="de-DE" dirty="0" smtClean="0"/>
-            </a:br>
-            <a:r>
-              <a:rPr lang="de-DE" dirty="0" smtClean="0"/>
-              <a:t>IPad-Koffer-Buchungssystem</a:t>
-            </a:r>
-            <a:endParaRPr lang="de-DE" dirty="0"/>
-          </a:p>
-        </p:txBody>
-      </p:sp>
-      <p:sp>
-        <p:nvSpPr>
-          <p:cNvPr id="3" name="Untertitel 2"/>
-          <p:cNvSpPr>
-            <a:spLocks noGrp="1"/>
-          </p:cNvSpPr>
-          <p:nvPr>
-            <p:ph type="subTitle" idx="1"/>
+      <p:sp useBgFill="1">
+        <p:nvSpPr>
+          <p:cNvPr id="9" name="Rectangle 8">
+            <a:extLst>
+              <a:ext uri="{FF2B5EF4-FFF2-40B4-BE49-F238E27FC236}">
+                <a16:creationId xmlns:a16="http://schemas.microsoft.com/office/drawing/2014/main" id="{C1DD1A8A-57D5-4A81-AD04-532B043C5611}"/>
+              </a:ext>
+              <a:ext uri="{C183D7F6-B498-43B3-948B-1728B52AA6E4}">
+                <adec:decorative xmlns:adec="http://schemas.microsoft.com/office/drawing/2017/decorative" val="1"/>
+              </a:ext>
+            </a:extLst>
+          </p:cNvPr>
+          <p:cNvSpPr>
+            <a:spLocks noGrp="1" noRot="1" noChangeAspect="1" noMove="1" noResize="1" noEditPoints="1" noAdjustHandles="1" noChangeArrowheads="1" noChangeShapeType="1" noTextEdit="1"/>
+          </p:cNvSpPr>
+          <p:nvPr>
+            <p:extLst>
+              <p:ext uri="{386F3935-93C4-4BCD-93E2-E3B085C9AB24}">
+                <p16:designElem xmlns:p16="http://schemas.microsoft.com/office/powerpoint/2015/main" val="1"/>
+              </p:ext>
+            </p:extLst>
           </p:nvPr>
         </p:nvSpPr>
         <p:spPr>
           <a:xfrm>
-            <a:off x="1524000" y="4275806"/>
-            <a:ext cx="9144000" cy="1655762"/>
+            <a:off x="-1" y="0"/>
+            <a:ext cx="12188952" cy="6858000"/>
           </a:xfrm>
+          <a:prstGeom prst="rect">
+            <a:avLst/>
+          </a:prstGeom>
+          <a:ln>
+            <a:noFill/>
+          </a:ln>
         </p:spPr>
+        <p:style>
+          <a:lnRef idx="2">
+            <a:schemeClr val="accent1">
+              <a:shade val="50000"/>
+            </a:schemeClr>
+          </a:lnRef>
+          <a:fillRef idx="1">
+            <a:schemeClr val="accent1"/>
+          </a:fillRef>
+          <a:effectRef idx="0">
+            <a:schemeClr val="accent1"/>
+          </a:effectRef>
+          <a:fontRef idx="minor">
+            <a:schemeClr val="lt1"/>
+          </a:fontRef>
+        </p:style>
+        <p:txBody>
+          <a:bodyPr rtlCol="0" anchor="ctr"/>
+          <a:lstStyle/>
+          <a:p>
+            <a:pPr algn="ctr"/>
+            <a:endParaRPr lang="en-US"/>
+          </a:p>
+        </p:txBody>
+      </p:sp>
+      <p:sp>
+        <p:nvSpPr>
+          <p:cNvPr id="11" name="Rectangle 10">
+            <a:extLst>
+              <a:ext uri="{FF2B5EF4-FFF2-40B4-BE49-F238E27FC236}">
+                <a16:creationId xmlns:a16="http://schemas.microsoft.com/office/drawing/2014/main" id="{007891EC-4501-44ED-A8C8-B11B6DB767AB}"/>
+              </a:ext>
+              <a:ext uri="{C183D7F6-B498-43B3-948B-1728B52AA6E4}">
+                <adec:decorative xmlns:adec="http://schemas.microsoft.com/office/drawing/2017/decorative" val="1"/>
+              </a:ext>
+            </a:extLst>
+          </p:cNvPr>
+          <p:cNvSpPr>
+            <a:spLocks noGrp="1" noRot="1" noChangeAspect="1" noMove="1" noResize="1" noEditPoints="1" noAdjustHandles="1" noChangeArrowheads="1" noChangeShapeType="1" noTextEdit="1"/>
+          </p:cNvSpPr>
+          <p:nvPr>
+            <p:extLst>
+              <p:ext uri="{386F3935-93C4-4BCD-93E2-E3B085C9AB24}">
+                <p16:designElem xmlns:p16="http://schemas.microsoft.com/office/powerpoint/2015/main" val="1"/>
+              </p:ext>
+            </p:extLst>
+          </p:nvPr>
+        </p:nvSpPr>
+        <p:spPr>
+          <a:xfrm>
+            <a:off x="0" y="2207602"/>
+            <a:ext cx="12191999" cy="3162146"/>
+          </a:xfrm>
+          <a:prstGeom prst="rect">
+            <a:avLst/>
+          </a:prstGeom>
+          <a:gradFill flip="none" rotWithShape="1">
+            <a:gsLst>
+              <a:gs pos="0">
+                <a:srgbClr val="000000">
+                  <a:alpha val="0"/>
+                </a:srgbClr>
+              </a:gs>
+              <a:gs pos="25000">
+                <a:srgbClr val="000000">
+                  <a:alpha val="15000"/>
+                </a:srgbClr>
+              </a:gs>
+              <a:gs pos="75000">
+                <a:srgbClr val="000000">
+                  <a:alpha val="15000"/>
+                </a:srgbClr>
+              </a:gs>
+              <a:gs pos="50000">
+                <a:srgbClr val="000000">
+                  <a:alpha val="30000"/>
+                </a:srgbClr>
+              </a:gs>
+              <a:gs pos="100000">
+                <a:srgbClr val="000000">
+                  <a:alpha val="0"/>
+                </a:srgbClr>
+              </a:gs>
+            </a:gsLst>
+            <a:lin ang="16200000" scaled="1"/>
+            <a:tileRect/>
+          </a:gradFill>
+          <a:ln>
+            <a:noFill/>
+          </a:ln>
+        </p:spPr>
+        <p:style>
+          <a:lnRef idx="2">
+            <a:schemeClr val="accent1">
+              <a:shade val="50000"/>
+            </a:schemeClr>
+          </a:lnRef>
+          <a:fillRef idx="1">
+            <a:schemeClr val="accent1"/>
+          </a:fillRef>
+          <a:effectRef idx="0">
+            <a:schemeClr val="accent1"/>
+          </a:effectRef>
+          <a:fontRef idx="minor">
+            <a:schemeClr val="lt1"/>
+          </a:fontRef>
+        </p:style>
+        <p:txBody>
+          <a:bodyPr rtlCol="0" anchor="ctr"/>
+          <a:lstStyle/>
+          <a:p>
+            <a:pPr algn="ctr"/>
+            <a:endParaRPr lang="en-US"/>
+          </a:p>
+        </p:txBody>
+      </p:sp>
+      <p:sp>
+        <p:nvSpPr>
+          <p:cNvPr id="2" name="Titel 1"/>
+          <p:cNvSpPr>
+            <a:spLocks noGrp="1"/>
+          </p:cNvSpPr>
+          <p:nvPr>
+            <p:ph type="ctrTitle"/>
+          </p:nvPr>
+        </p:nvSpPr>
+        <p:spPr>
+          <a:xfrm>
+            <a:off x="1097280" y="325550"/>
+            <a:ext cx="10058400" cy="3574778"/>
+          </a:xfrm>
+          <a:effectLst>
+            <a:outerShdw blurRad="50800" dist="38100" dir="2700000" algn="tl" rotWithShape="0">
+              <a:prstClr val="black">
+                <a:alpha val="40000"/>
+              </a:prstClr>
+            </a:outerShdw>
+          </a:effectLst>
+        </p:spPr>
         <p:txBody>
           <a:bodyPr>
-            <a:normAutofit fontScale="77500" lnSpcReduction="20000"/>
+            <a:normAutofit/>
           </a:bodyPr>
           <a:lstStyle/>
           <a:p>
-            <a:pPr algn="l"/>
-            <a:r>
-              <a:rPr lang="de-DE" dirty="0" smtClean="0"/>
-              <a:t>Teammitglieder:</a:t>
-            </a:r>
-          </a:p>
-          <a:p>
-            <a:pPr algn="l"/>
-            <a:r>
-              <a:rPr lang="de-DE" dirty="0" smtClean="0"/>
-              <a:t>Hofmann Stefan</a:t>
-            </a:r>
-          </a:p>
-          <a:p>
-            <a:pPr algn="l"/>
-            <a:r>
-              <a:rPr lang="de-DE" dirty="0" smtClean="0"/>
-              <a:t>Hübner Kim</a:t>
-            </a:r>
-          </a:p>
-          <a:p>
-            <a:pPr algn="l"/>
-            <a:r>
-              <a:rPr lang="de-DE" dirty="0" smtClean="0"/>
-              <a:t>Liebscher Daniel</a:t>
-            </a:r>
-          </a:p>
-          <a:p>
-            <a:pPr algn="l"/>
-            <a:r>
-              <a:rPr lang="de-DE" dirty="0" smtClean="0"/>
-              <a:t>Simon Daniel</a:t>
-            </a:r>
-            <a:endParaRPr lang="de-DE" dirty="0"/>
+            <a:r>
+              <a:rPr lang="de-DE" cap="small" dirty="0"/>
+              <a:t>Projekt</a:t>
+            </a:r>
+            <a:br>
+              <a:rPr lang="de-DE" cap="small" dirty="0"/>
+            </a:br>
+            <a:r>
+              <a:rPr lang="de-DE" cap="small" dirty="0"/>
+              <a:t>iPad-Koffer-Buchungssystem</a:t>
+            </a:r>
+          </a:p>
+        </p:txBody>
+      </p:sp>
+      <p:sp>
+        <p:nvSpPr>
+          <p:cNvPr id="3" name="Untertitel 2"/>
+          <p:cNvSpPr>
+            <a:spLocks noGrp="1"/>
+          </p:cNvSpPr>
+          <p:nvPr>
+            <p:ph type="subTitle" idx="1"/>
+          </p:nvPr>
+        </p:nvSpPr>
+        <p:spPr>
+          <a:xfrm>
+            <a:off x="1100051" y="4072043"/>
+            <a:ext cx="10058400" cy="2378453"/>
+          </a:xfrm>
+          <a:effectLst>
+            <a:outerShdw blurRad="50800" dist="38100" dir="2700000" algn="tl" rotWithShape="0">
+              <a:prstClr val="black">
+                <a:alpha val="40000"/>
+              </a:prstClr>
+            </a:outerShdw>
+          </a:effectLst>
+        </p:spPr>
+        <p:txBody>
+          <a:bodyPr>
+            <a:normAutofit/>
+          </a:bodyPr>
+          <a:lstStyle/>
+          <a:p>
+            <a:r>
+              <a:rPr lang="de-DE" sz="1600" cap="small" dirty="0"/>
+              <a:t>Daniel Liebscher</a:t>
+            </a:r>
+          </a:p>
+          <a:p>
+            <a:r>
+              <a:rPr lang="de-DE" sz="1600" cap="small" dirty="0"/>
+              <a:t>Daniel Simon</a:t>
+            </a:r>
+          </a:p>
+          <a:p>
+            <a:r>
+              <a:rPr lang="de-DE" sz="1600" cap="small" dirty="0"/>
+              <a:t>Kim Hübner</a:t>
+            </a:r>
+          </a:p>
+          <a:p>
+            <a:r>
+              <a:rPr lang="de-DE" sz="1600" cap="small" dirty="0"/>
+              <a:t>Stefan Hofmann</a:t>
+            </a:r>
           </a:p>
         </p:txBody>
       </p:sp>
@@ -3070,13 +3245,212 @@
   <p:clrMapOvr>
     <a:masterClrMapping/>
   </p:clrMapOvr>
-  <p:timing>
-    <p:tnLst>
-      <p:par>
-        <p:cTn id="1" dur="indefinite" restart="never" nodeType="tmRoot"/>
-      </p:par>
-    </p:tnLst>
-  </p:timing>
+</p:sld>
+</file>
+
+<file path=ppt/slides/slide10.xml><?xml version="1.0" encoding="utf-8"?>
+<p:sld xmlns:a="http://schemas.openxmlformats.org/drawingml/2006/main" xmlns:r="http://schemas.openxmlformats.org/officeDocument/2006/relationships" xmlns:p="http://schemas.openxmlformats.org/presentationml/2006/main">
+  <p:cSld>
+    <p:spTree>
+      <p:nvGrpSpPr>
+        <p:cNvPr id="1" name=""/>
+        <p:cNvGrpSpPr/>
+        <p:nvPr/>
+      </p:nvGrpSpPr>
+      <p:grpSpPr>
+        <a:xfrm>
+          <a:off x="0" y="0"/>
+          <a:ext cx="0" cy="0"/>
+          <a:chOff x="0" y="0"/>
+          <a:chExt cx="0" cy="0"/>
+        </a:xfrm>
+      </p:grpSpPr>
+      <p:sp>
+        <p:nvSpPr>
+          <p:cNvPr id="3" name="Inhaltsplatzhalter 2">
+            <a:extLst>
+              <a:ext uri="{FF2B5EF4-FFF2-40B4-BE49-F238E27FC236}">
+                <a16:creationId xmlns:a16="http://schemas.microsoft.com/office/drawing/2014/main" id="{EF25BEFD-7002-37B0-B253-0CF7C896E7B1}"/>
+              </a:ext>
+            </a:extLst>
+          </p:cNvPr>
+          <p:cNvSpPr>
+            <a:spLocks noGrp="1"/>
+          </p:cNvSpPr>
+          <p:nvPr>
+            <p:ph idx="1"/>
+          </p:nvPr>
+        </p:nvSpPr>
+        <p:spPr>
+          <a:xfrm>
+            <a:off x="838200" y="1005840"/>
+            <a:ext cx="10515600" cy="5171123"/>
+          </a:xfrm>
+        </p:spPr>
+        <p:txBody>
+          <a:bodyPr>
+            <a:normAutofit/>
+          </a:bodyPr>
+          <a:lstStyle/>
+          <a:p>
+            <a:pPr marL="0" indent="0">
+              <a:lnSpc>
+                <a:spcPct val="107000"/>
+              </a:lnSpc>
+              <a:spcAft>
+                <a:spcPts val="800"/>
+              </a:spcAft>
+              <a:buNone/>
+            </a:pPr>
+            <a:r>
+              <a:rPr lang="de-DE" kern="100" dirty="0">
+                <a:effectLst/>
+                <a:latin typeface="Calibri" panose="020F0502020204030204" pitchFamily="34" charset="0"/>
+                <a:ea typeface="Calibri" panose="020F0502020204030204" pitchFamily="34" charset="0"/>
+                <a:cs typeface="Times New Roman" panose="02020603050405020304" pitchFamily="18" charset="0"/>
+              </a:rPr>
+              <a:t>Erstellt von Daniel Liebsch, Daniel Simon, Kim Hübner, Stefan Hofmann</a:t>
+            </a:r>
+          </a:p>
+          <a:p>
+            <a:pPr marL="0" indent="0">
+              <a:lnSpc>
+                <a:spcPct val="107000"/>
+              </a:lnSpc>
+              <a:spcAft>
+                <a:spcPts val="800"/>
+              </a:spcAft>
+              <a:buNone/>
+            </a:pPr>
+            <a:endParaRPr lang="de-DE" kern="100" dirty="0">
+              <a:effectLst/>
+              <a:latin typeface="Calibri" panose="020F0502020204030204" pitchFamily="34" charset="0"/>
+              <a:ea typeface="Calibri" panose="020F0502020204030204" pitchFamily="34" charset="0"/>
+              <a:cs typeface="Times New Roman" panose="02020603050405020304" pitchFamily="18" charset="0"/>
+            </a:endParaRPr>
+          </a:p>
+          <a:p>
+            <a:pPr marL="0" indent="0">
+              <a:lnSpc>
+                <a:spcPct val="107000"/>
+              </a:lnSpc>
+              <a:spcAft>
+                <a:spcPts val="800"/>
+              </a:spcAft>
+              <a:buNone/>
+            </a:pPr>
+            <a:r>
+              <a:rPr lang="de-DE" kern="100" dirty="0">
+                <a:effectLst/>
+                <a:latin typeface="Calibri" panose="020F0502020204030204" pitchFamily="34" charset="0"/>
+                <a:ea typeface="Calibri" panose="020F0502020204030204" pitchFamily="34" charset="0"/>
+                <a:cs typeface="Times New Roman" panose="02020603050405020304" pitchFamily="18" charset="0"/>
+              </a:rPr>
+              <a:t>Gemeinsame Ausarbeitung der Grundidee und Programmierungen, Revision sowie Kommentierung mit folgenden Schwerpunkten:</a:t>
+            </a:r>
+          </a:p>
+          <a:p>
+            <a:pPr marL="1073150" lvl="0">
+              <a:lnSpc>
+                <a:spcPct val="107000"/>
+              </a:lnSpc>
+              <a:buFont typeface="Wingdings" panose="05000000000000000000" pitchFamily="2" charset="2"/>
+              <a:buChar char="ü"/>
+            </a:pPr>
+            <a:r>
+              <a:rPr lang="de-DE" kern="100" dirty="0">
+                <a:effectLst/>
+                <a:latin typeface="Calibri" panose="020F0502020204030204" pitchFamily="34" charset="0"/>
+                <a:ea typeface="Calibri" panose="020F0502020204030204" pitchFamily="34" charset="0"/>
+                <a:cs typeface="Times New Roman" panose="02020603050405020304" pitchFamily="18" charset="0"/>
+              </a:rPr>
+              <a:t>Stefan Hofmann: </a:t>
+            </a:r>
+            <a:r>
+              <a:rPr lang="de-DE" kern="100" dirty="0" err="1">
+                <a:effectLst/>
+                <a:latin typeface="Calibri" panose="020F0502020204030204" pitchFamily="34" charset="0"/>
+                <a:ea typeface="Calibri" panose="020F0502020204030204" pitchFamily="34" charset="0"/>
+                <a:cs typeface="Times New Roman" panose="02020603050405020304" pitchFamily="18" charset="0"/>
+              </a:rPr>
+              <a:t>Serializer</a:t>
+            </a:r>
+            <a:endParaRPr lang="de-DE" kern="100" dirty="0">
+              <a:effectLst/>
+              <a:latin typeface="Calibri" panose="020F0502020204030204" pitchFamily="34" charset="0"/>
+              <a:ea typeface="Calibri" panose="020F0502020204030204" pitchFamily="34" charset="0"/>
+              <a:cs typeface="Times New Roman" panose="02020603050405020304" pitchFamily="18" charset="0"/>
+            </a:endParaRPr>
+          </a:p>
+          <a:p>
+            <a:pPr marL="1073150" lvl="0">
+              <a:lnSpc>
+                <a:spcPct val="107000"/>
+              </a:lnSpc>
+              <a:buFont typeface="Wingdings" panose="05000000000000000000" pitchFamily="2" charset="2"/>
+              <a:buChar char="ü"/>
+            </a:pPr>
+            <a:r>
+              <a:rPr lang="de-DE" kern="100" dirty="0">
+                <a:effectLst/>
+                <a:latin typeface="Calibri" panose="020F0502020204030204" pitchFamily="34" charset="0"/>
+                <a:ea typeface="Calibri" panose="020F0502020204030204" pitchFamily="34" charset="0"/>
+                <a:cs typeface="Times New Roman" panose="02020603050405020304" pitchFamily="18" charset="0"/>
+              </a:rPr>
+              <a:t>Kim Hübner: Sequenzdiagramm</a:t>
+            </a:r>
+          </a:p>
+          <a:p>
+            <a:pPr marL="1073150" lvl="0">
+              <a:lnSpc>
+                <a:spcPct val="107000"/>
+              </a:lnSpc>
+              <a:buFont typeface="Wingdings" panose="05000000000000000000" pitchFamily="2" charset="2"/>
+              <a:buChar char="ü"/>
+            </a:pPr>
+            <a:r>
+              <a:rPr lang="de-DE" kern="100" dirty="0">
+                <a:effectLst/>
+                <a:latin typeface="Calibri" panose="020F0502020204030204" pitchFamily="34" charset="0"/>
+                <a:ea typeface="Calibri" panose="020F0502020204030204" pitchFamily="34" charset="0"/>
+                <a:cs typeface="Times New Roman" panose="02020603050405020304" pitchFamily="18" charset="0"/>
+              </a:rPr>
+              <a:t>Daniel Liebscher: Klassendiagramm, Testungen</a:t>
+            </a:r>
+          </a:p>
+          <a:p>
+            <a:pPr marL="1073150" lvl="0">
+              <a:lnSpc>
+                <a:spcPct val="107000"/>
+              </a:lnSpc>
+              <a:spcAft>
+                <a:spcPts val="800"/>
+              </a:spcAft>
+              <a:buFont typeface="Wingdings" panose="05000000000000000000" pitchFamily="2" charset="2"/>
+              <a:buChar char="ü"/>
+            </a:pPr>
+            <a:r>
+              <a:rPr lang="de-DE" kern="100" dirty="0">
+                <a:effectLst/>
+                <a:latin typeface="Calibri" panose="020F0502020204030204" pitchFamily="34" charset="0"/>
+                <a:ea typeface="Calibri" panose="020F0502020204030204" pitchFamily="34" charset="0"/>
+                <a:cs typeface="Times New Roman" panose="02020603050405020304" pitchFamily="18" charset="0"/>
+              </a:rPr>
+              <a:t>Daniel Simon: GUI</a:t>
+            </a:r>
+          </a:p>
+        </p:txBody>
+      </p:sp>
+    </p:spTree>
+    <p:extLst>
+      <p:ext uri="{BB962C8B-B14F-4D97-AF65-F5344CB8AC3E}">
+        <p14:creationId xmlns:p14="http://schemas.microsoft.com/office/powerpoint/2010/main" val="1903469739"/>
+      </p:ext>
+    </p:extLst>
+  </p:cSld>
+  <p:clrMapOvr>
+    <a:masterClrMapping/>
+  </p:clrMapOvr>
 </p:sld>
 </file>
 
@@ -3118,10 +3492,9 @@
           <a:lstStyle/>
           <a:p>
             <a:r>
-              <a:rPr lang="de-DE" dirty="0" smtClean="0"/>
+              <a:rPr lang="de-DE" dirty="0"/>
               <a:t>Projektverlauf: Erste Idee Reservierungsliste</a:t>
             </a:r>
-            <a:endParaRPr lang="de-DE" dirty="0"/>
           </a:p>
         </p:txBody>
       </p:sp>
@@ -3149,8 +3522,8 @@
         </p:blipFill>
         <p:spPr>
           <a:xfrm>
-            <a:off x="2021199" y="1074822"/>
-            <a:ext cx="8149602" cy="5102225"/>
+            <a:off x="1495960" y="1005248"/>
+            <a:ext cx="9200079" cy="5759898"/>
           </a:xfrm>
         </p:spPr>
       </p:pic>
@@ -3164,13 +3537,6 @@
   <p:clrMapOvr>
     <a:masterClrMapping/>
   </p:clrMapOvr>
-  <p:timing>
-    <p:tnLst>
-      <p:par>
-        <p:cTn id="1" dur="indefinite" restart="never" nodeType="tmRoot"/>
-      </p:par>
-    </p:tnLst>
-  </p:timing>
 </p:sld>
 </file>
 
@@ -3212,10 +3578,9 @@
           <a:lstStyle/>
           <a:p>
             <a:r>
-              <a:rPr lang="de-DE" dirty="0" smtClean="0"/>
+              <a:rPr lang="de-DE" dirty="0"/>
               <a:t>Projektverlauf: Speicherung der Liste</a:t>
             </a:r>
-            <a:endParaRPr lang="de-DE" dirty="0"/>
           </a:p>
         </p:txBody>
       </p:sp>
@@ -3241,8 +3606,8 @@
         </p:blipFill>
         <p:spPr>
           <a:xfrm>
-            <a:off x="1573455" y="1074822"/>
-            <a:ext cx="9045089" cy="5662862"/>
+            <a:off x="1371263" y="941965"/>
+            <a:ext cx="9449473" cy="5916035"/>
           </a:xfrm>
           <a:prstGeom prst="rect">
             <a:avLst/>
@@ -3259,13 +3624,6 @@
   <p:clrMapOvr>
     <a:masterClrMapping/>
   </p:clrMapOvr>
-  <p:timing>
-    <p:tnLst>
-      <p:par>
-        <p:cTn id="1" dur="indefinite" restart="never" nodeType="tmRoot"/>
-      </p:par>
-    </p:tnLst>
-  </p:timing>
 </p:sld>
 </file>
 
@@ -3307,10 +3665,9 @@
           <a:lstStyle/>
           <a:p>
             <a:r>
-              <a:rPr lang="de-DE" dirty="0" smtClean="0"/>
+              <a:rPr lang="de-DE" dirty="0"/>
               <a:t>Projektverlauf: Erweiterung um Benutzerliste</a:t>
             </a:r>
-            <a:endParaRPr lang="de-DE" dirty="0"/>
           </a:p>
         </p:txBody>
       </p:sp>
@@ -3336,8 +3693,8 @@
         </p:blipFill>
         <p:spPr>
           <a:xfrm>
-            <a:off x="505326" y="1074822"/>
-            <a:ext cx="11181347" cy="5158267"/>
+            <a:off x="1" y="1101484"/>
+            <a:ext cx="12192000" cy="5624510"/>
           </a:xfrm>
           <a:prstGeom prst="rect">
             <a:avLst/>
@@ -3354,13 +3711,6 @@
   <p:clrMapOvr>
     <a:masterClrMapping/>
   </p:clrMapOvr>
-  <p:timing>
-    <p:tnLst>
-      <p:par>
-        <p:cTn id="1" dur="indefinite" restart="never" nodeType="tmRoot"/>
-      </p:par>
-    </p:tnLst>
-  </p:timing>
 </p:sld>
 </file>
 
@@ -3402,10 +3752,9 @@
           <a:lstStyle/>
           <a:p>
             <a:r>
-              <a:rPr lang="de-DE" dirty="0" smtClean="0"/>
+              <a:rPr lang="de-DE" dirty="0"/>
               <a:t>Projektverlauf: Erweiterung um Benutzerliste</a:t>
             </a:r>
-            <a:endParaRPr lang="de-DE" dirty="0"/>
           </a:p>
         </p:txBody>
       </p:sp>
@@ -3449,13 +3798,6 @@
   <p:clrMapOvr>
     <a:masterClrMapping/>
   </p:clrMapOvr>
-  <p:timing>
-    <p:tnLst>
-      <p:par>
-        <p:cTn id="1" dur="indefinite" restart="never" nodeType="tmRoot"/>
-      </p:par>
-    </p:tnLst>
-  </p:timing>
 </p:sld>
 </file>
 
@@ -3497,10 +3839,9 @@
           <a:lstStyle/>
           <a:p>
             <a:r>
-              <a:rPr lang="de-DE" dirty="0" smtClean="0"/>
+              <a:rPr lang="de-DE" dirty="0"/>
               <a:t>Projektverlauf: Erweiterung um GUI</a:t>
             </a:r>
-            <a:endParaRPr lang="de-DE" dirty="0"/>
           </a:p>
         </p:txBody>
       </p:sp>
@@ -3525,8 +3866,8 @@
         </p:blipFill>
         <p:spPr>
           <a:xfrm>
-            <a:off x="899660" y="1074822"/>
-            <a:ext cx="10392680" cy="4973052"/>
+            <a:off x="74112" y="1074822"/>
+            <a:ext cx="12043776" cy="5763126"/>
           </a:xfrm>
           <a:prstGeom prst="rect">
             <a:avLst/>
@@ -3543,13 +3884,6 @@
   <p:clrMapOvr>
     <a:masterClrMapping/>
   </p:clrMapOvr>
-  <p:timing>
-    <p:tnLst>
-      <p:par>
-        <p:cTn id="1" dur="indefinite" restart="never" nodeType="tmRoot"/>
-      </p:par>
-    </p:tnLst>
-  </p:timing>
 </p:sld>
 </file>
 
@@ -3591,10 +3925,9 @@
           <a:lstStyle/>
           <a:p>
             <a:r>
-              <a:rPr lang="de-DE" dirty="0" smtClean="0"/>
+              <a:rPr lang="de-DE" dirty="0"/>
               <a:t>Projektverlauf: Erweiterung um Kalender</a:t>
             </a:r>
-            <a:endParaRPr lang="de-DE" dirty="0"/>
           </a:p>
         </p:txBody>
       </p:sp>
@@ -3619,8 +3952,8 @@
         </p:blipFill>
         <p:spPr>
           <a:xfrm>
-            <a:off x="693427" y="1074822"/>
-            <a:ext cx="10805145" cy="5037220"/>
+            <a:off x="0" y="1074822"/>
+            <a:ext cx="12192000" cy="5683754"/>
           </a:xfrm>
           <a:prstGeom prst="rect">
             <a:avLst/>
@@ -3637,13 +3970,6 @@
   <p:clrMapOvr>
     <a:masterClrMapping/>
   </p:clrMapOvr>
-  <p:timing>
-    <p:tnLst>
-      <p:par>
-        <p:cTn id="1" dur="indefinite" restart="never" nodeType="tmRoot"/>
-      </p:par>
-    </p:tnLst>
-  </p:timing>
 </p:sld>
 </file>
 
@@ -3685,11 +4011,11 @@
           <a:lstStyle/>
           <a:p>
             <a:r>
-              <a:rPr lang="de-DE" dirty="0" smtClean="0"/>
+              <a:rPr lang="de-DE" dirty="0"/>
               <a:t>Projektverlauf: </a:t>
             </a:r>
             <a:r>
-              <a:rPr lang="de-DE" dirty="0" err="1" smtClean="0"/>
+              <a:rPr lang="de-DE" dirty="0" err="1"/>
               <a:t>Refactoring</a:t>
             </a:r>
             <a:endParaRPr lang="de-DE" dirty="0"/>
@@ -3698,28 +4024,28 @@
       </p:sp>
       <p:pic>
         <p:nvPicPr>
-          <p:cNvPr id="3" name="Grafik 2"/>
+          <p:cNvPr id="5" name="Grafik 4">
+            <a:extLst>
+              <a:ext uri="{FF2B5EF4-FFF2-40B4-BE49-F238E27FC236}">
+                <a16:creationId xmlns:a16="http://schemas.microsoft.com/office/drawing/2014/main" id="{DD75D062-1B3F-BB35-C6D7-7F0E0410013B}"/>
+              </a:ext>
+            </a:extLst>
+          </p:cNvPr>
           <p:cNvPicPr>
             <a:picLocks noChangeAspect="1"/>
           </p:cNvPicPr>
           <p:nvPr/>
         </p:nvPicPr>
         <p:blipFill>
-          <a:blip r:embed="rId2" cstate="print">
-            <a:extLst>
-              <a:ext uri="{28A0092B-C50C-407E-A947-70E740481C1C}">
-                <a14:useLocalDpi xmlns:a14="http://schemas.microsoft.com/office/drawing/2010/main" val="0"/>
-              </a:ext>
-            </a:extLst>
-          </a:blip>
+          <a:blip r:embed="rId2"/>
           <a:stretch>
             <a:fillRect/>
           </a:stretch>
         </p:blipFill>
         <p:spPr>
           <a:xfrm>
-            <a:off x="1990535" y="1074822"/>
-            <a:ext cx="8210930" cy="5686463"/>
+            <a:off x="2047681" y="1001397"/>
+            <a:ext cx="8096637" cy="5856603"/>
           </a:xfrm>
           <a:prstGeom prst="rect">
             <a:avLst/>
@@ -3736,13 +4062,93 @@
   <p:clrMapOvr>
     <a:masterClrMapping/>
   </p:clrMapOvr>
-  <p:timing>
-    <p:tnLst>
-      <p:par>
-        <p:cTn id="1" dur="indefinite" restart="never" nodeType="tmRoot"/>
-      </p:par>
-    </p:tnLst>
-  </p:timing>
+</p:sld>
+</file>
+
+<file path=ppt/slides/slide9.xml><?xml version="1.0" encoding="utf-8"?>
+<p:sld xmlns:a="http://schemas.openxmlformats.org/drawingml/2006/main" xmlns:r="http://schemas.openxmlformats.org/officeDocument/2006/relationships" xmlns:p="http://schemas.openxmlformats.org/presentationml/2006/main">
+  <p:cSld>
+    <p:spTree>
+      <p:nvGrpSpPr>
+        <p:cNvPr id="1" name=""/>
+        <p:cNvGrpSpPr/>
+        <p:nvPr/>
+      </p:nvGrpSpPr>
+      <p:grpSpPr>
+        <a:xfrm>
+          <a:off x="0" y="0"/>
+          <a:ext cx="0" cy="0"/>
+          <a:chOff x="0" y="0"/>
+          <a:chExt cx="0" cy="0"/>
+        </a:xfrm>
+      </p:grpSpPr>
+      <p:sp>
+        <p:nvSpPr>
+          <p:cNvPr id="2" name="Titel 1"/>
+          <p:cNvSpPr>
+            <a:spLocks noGrp="1"/>
+          </p:cNvSpPr>
+          <p:nvPr>
+            <p:ph type="title"/>
+          </p:nvPr>
+        </p:nvSpPr>
+        <p:spPr>
+          <a:xfrm>
+            <a:off x="838200" y="365126"/>
+            <a:ext cx="10515600" cy="709696"/>
+          </a:xfrm>
+        </p:spPr>
+        <p:txBody>
+          <a:bodyPr/>
+          <a:lstStyle/>
+          <a:p>
+            <a:r>
+              <a:rPr lang="de-DE" dirty="0"/>
+              <a:t>Sequenzdiagramm</a:t>
+            </a:r>
+          </a:p>
+        </p:txBody>
+      </p:sp>
+      <p:pic>
+        <p:nvPicPr>
+          <p:cNvPr id="4" name="Grafik 3">
+            <a:extLst>
+              <a:ext uri="{FF2B5EF4-FFF2-40B4-BE49-F238E27FC236}">
+                <a16:creationId xmlns:a16="http://schemas.microsoft.com/office/drawing/2014/main" id="{1C78D252-0B40-3B4B-C955-AB888F806840}"/>
+              </a:ext>
+            </a:extLst>
+          </p:cNvPr>
+          <p:cNvPicPr>
+            <a:picLocks noChangeAspect="1"/>
+          </p:cNvPicPr>
+          <p:nvPr/>
+        </p:nvPicPr>
+        <p:blipFill>
+          <a:blip r:embed="rId2"/>
+          <a:stretch>
+            <a:fillRect/>
+          </a:stretch>
+        </p:blipFill>
+        <p:spPr>
+          <a:xfrm>
+            <a:off x="1973543" y="1027611"/>
+            <a:ext cx="8244913" cy="5830389"/>
+          </a:xfrm>
+          <a:prstGeom prst="rect">
+            <a:avLst/>
+          </a:prstGeom>
+        </p:spPr>
+      </p:pic>
+    </p:spTree>
+    <p:extLst>
+      <p:ext uri="{BB962C8B-B14F-4D97-AF65-F5344CB8AC3E}">
+        <p14:creationId xmlns:p14="http://schemas.microsoft.com/office/powerpoint/2010/main" val="3978607590"/>
+      </p:ext>
+    </p:extLst>
+  </p:cSld>
+  <p:clrMapOvr>
+    <a:masterClrMapping/>
+  </p:clrMapOvr>
 </p:sld>
 </file>
 
